--- a/Report files/project slides.pptx
+++ b/Report files/project slides.pptx
@@ -14806,7 +14806,7 @@
                 <a:ea typeface="DengXian" panose="02010600030101010101" pitchFamily="2" charset="-122"/>
                 <a:cs typeface="Times New Roman" panose="02020603050405020304" pitchFamily="18" charset="0"/>
               </a:rPr>
-              <a:t>T-test</a:t>
+              <a:t>T-test: Check the average age of Victims differs significantly between weekends and weekdays.</a:t>
             </a:r>
             <a:endParaRPr lang="en-US" sz="1800" i="1" dirty="0">
               <a:effectLst/>
@@ -15110,7 +15110,23 @@
                 <a:ea typeface="DengXian" panose="02010600030101010101" pitchFamily="2" charset="-122"/>
                 <a:cs typeface="Times New Roman" panose="02020603050405020304" pitchFamily="18" charset="0"/>
               </a:rPr>
-              <a:t>ANOVA test</a:t>
+              <a:t>ANOVA test: Comparing </a:t>
+            </a:r>
+            <a:r>
+              <a:rPr lang="en-US" sz="1800" dirty="0" err="1">
+                <a:latin typeface="Times New Roman" panose="02020603050405020304" pitchFamily="18" charset="0"/>
+                <a:ea typeface="DengXian" panose="02010600030101010101" pitchFamily="2" charset="-122"/>
+                <a:cs typeface="Times New Roman" panose="02020603050405020304" pitchFamily="18" charset="0"/>
+              </a:rPr>
+              <a:t>time_to_report</a:t>
+            </a:r>
+            <a:r>
+              <a:rPr lang="en-US" sz="1800" dirty="0">
+                <a:latin typeface="Times New Roman" panose="02020603050405020304" pitchFamily="18" charset="0"/>
+                <a:ea typeface="DengXian" panose="02010600030101010101" pitchFamily="2" charset="-122"/>
+                <a:cs typeface="Times New Roman" panose="02020603050405020304" pitchFamily="18" charset="0"/>
+              </a:rPr>
+              <a:t> across  different area.</a:t>
             </a:r>
           </a:p>
           <a:p>
@@ -18988,7 +19004,41 @@
                 <a:ea typeface="DengXian" panose="02010600030101010101" pitchFamily="2" charset="-122"/>
                 <a:cs typeface="Times New Roman" panose="02020603050405020304" pitchFamily="18" charset="0"/>
               </a:rPr>
-              <a:t> as Delayed (&gt;30 days) or Timely (&lt;= 30days)</a:t>
+              <a:t> as Delayed (&gt;</a:t>
+            </a:r>
+            <a:r>
+              <a:rPr lang="en-US" sz="1500" dirty="0">
+                <a:latin typeface="Libre Franklin" pitchFamily="2" charset="0"/>
+                <a:ea typeface="DengXian" panose="02010600030101010101" pitchFamily="2" charset="-122"/>
+                <a:cs typeface="Times New Roman" panose="02020603050405020304" pitchFamily="18" charset="0"/>
+              </a:rPr>
+              <a:t>1</a:t>
+            </a:r>
+            <a:r>
+              <a:rPr lang="en-US" sz="1500" dirty="0">
+                <a:effectLst/>
+                <a:latin typeface="Libre Franklin" pitchFamily="2" charset="0"/>
+                <a:ea typeface="DengXian" panose="02010600030101010101" pitchFamily="2" charset="-122"/>
+                <a:cs typeface="Times New Roman" panose="02020603050405020304" pitchFamily="18" charset="0"/>
+              </a:rPr>
+              <a:t> day) or Timely (&lt;= </a:t>
+            </a:r>
+            <a:r>
+              <a:rPr lang="en-US" sz="1500" dirty="0">
+                <a:latin typeface="Libre Franklin" pitchFamily="2" charset="0"/>
+                <a:ea typeface="DengXian" panose="02010600030101010101" pitchFamily="2" charset="-122"/>
+                <a:cs typeface="Times New Roman" panose="02020603050405020304" pitchFamily="18" charset="0"/>
+              </a:rPr>
+              <a:t>1 day</a:t>
+            </a:r>
+            <a:r>
+              <a:rPr lang="en-US" sz="1500" dirty="0">
+                <a:effectLst/>
+                <a:latin typeface="Libre Franklin" pitchFamily="2" charset="0"/>
+                <a:ea typeface="DengXian" panose="02010600030101010101" pitchFamily="2" charset="-122"/>
+                <a:cs typeface="Times New Roman" panose="02020603050405020304" pitchFamily="18" charset="0"/>
+              </a:rPr>
+              <a:t>)</a:t>
             </a:r>
           </a:p>
           <a:p>
@@ -24414,7 +24464,7 @@
                 <a:latin typeface="Times New Roman" panose="02020603050405020304" pitchFamily="18" charset="0"/>
                 <a:ea typeface="DengXian" panose="02010600030101010101" pitchFamily="2" charset="-122"/>
               </a:rPr>
-              <a:t>What are the key patterns in crime occurrences, and How can we predict crime types and identify whether crime reports are timely or delayed based on demographic factors, location, and times?</a:t>
+              <a:t>What are the key patterns in crime occurrences, and How can we predict crime types and identify whether crime reports are timely or delayed based on demographic factors, location, and time?</a:t>
             </a:r>
             <a:r>
               <a:rPr lang="en-US" sz="1800" dirty="0">
